--- a/QuickGuide_Display_NUCAPS_SHARPpy.pptx
+++ b/QuickGuide_Display_NUCAPS_SHARPpy.pptx
@@ -12440,7 +12440,7 @@
               <a:rPr lang="en-US" dirty="0">
                 <a:sym typeface="Calibri"/>
               </a:rPr>
-              <a:t> (https://github.com/Jeff-Szkodzinski/SHARPpy).</a:t>
+              <a:t> (https://github.com/sharppy/SHARPpy.git).</a:t>
             </a:r>
           </a:p>
         </p:txBody>
@@ -15509,24 +15509,6 @@
 </file>
 
 <file path=customXml/item1.xml><?xml version="1.0" encoding="utf-8"?>
-<p:properties xmlns:p="http://schemas.microsoft.com/office/2006/metadata/properties" xmlns:xsi="http://www.w3.org/2001/XMLSchema-instance" xmlns:pc="http://schemas.microsoft.com/office/infopath/2007/PartnerControls">
-  <documentManagement>
-    <_ip_UnifiedCompliancePolicyUIAction xmlns="http://schemas.microsoft.com/sharepoint/v3" xsi:nil="true"/>
-    <_ip_UnifiedCompliancePolicyProperties xmlns="http://schemas.microsoft.com/sharepoint/v3" xsi:nil="true"/>
-  </documentManagement>
-</p:properties>
-</file>
-
-<file path=customXml/item2.xml><?xml version="1.0" encoding="utf-8"?>
-<?mso-contentType ?>
-<FormTemplates xmlns="http://schemas.microsoft.com/sharepoint/v3/contenttype/forms">
-  <Display>DocumentLibraryForm</Display>
-  <Edit>DocumentLibraryForm</Edit>
-  <New>DocumentLibraryForm</New>
-</FormTemplates>
-</file>
-
-<file path=customXml/item3.xml><?xml version="1.0" encoding="utf-8"?>
 <ct:contentTypeSchema xmlns:ct="http://schemas.microsoft.com/office/2006/metadata/contentType" xmlns:ma="http://schemas.microsoft.com/office/2006/metadata/properties/metaAttributes" ct:_="" ma:_="" ma:contentTypeName="Document" ma:contentTypeID="0x010100F73FE07C98F93341BB44F192DE05FB44" ma:contentTypeVersion="12" ma:contentTypeDescription="Create a new document." ma:contentTypeScope="" ma:versionID="4cf1ec7f9ddb9dfd23bfb370022eca79">
   <xsd:schema xmlns:xsd="http://www.w3.org/2001/XMLSchema" xmlns:xs="http://www.w3.org/2001/XMLSchema" xmlns:p="http://schemas.microsoft.com/office/2006/metadata/properties" xmlns:ns1="http://schemas.microsoft.com/sharepoint/v3" xmlns:ns3="3bbb31d1-623b-489b-bce0-e344ebdbbf16" xmlns:ns4="95351f8c-3420-49f7-a091-28e53b5dd0e8" targetNamespace="http://schemas.microsoft.com/office/2006/metadata/properties" ma:root="true" ma:fieldsID="c30c9fd6553b2e746a7cc85ca951db99" ns1:_="" ns3:_="" ns4:_="">
     <xsd:import namespace="http://schemas.microsoft.com/sharepoint/v3"/>
@@ -15746,33 +15728,25 @@
 </ct:contentTypeSchema>
 </file>
 
-<file path=customXml/itemProps1.xml><?xml version="1.0" encoding="utf-8"?>
-<ds:datastoreItem xmlns:ds="http://schemas.openxmlformats.org/officeDocument/2006/customXml" ds:itemID="{5B4702F2-4CCD-4679-93EE-DC462A31CD3C}">
-  <ds:schemaRefs>
-    <ds:schemaRef ds:uri="http://purl.org/dc/terms/"/>
-    <ds:schemaRef ds:uri="http://purl.org/dc/dcmitype/"/>
-    <ds:schemaRef ds:uri="http://www.w3.org/XML/1998/namespace"/>
-    <ds:schemaRef ds:uri="http://schemas.microsoft.com/office/infopath/2007/PartnerControls"/>
-    <ds:schemaRef ds:uri="http://schemas.openxmlformats.org/package/2006/metadata/core-properties"/>
-    <ds:schemaRef ds:uri="http://purl.org/dc/elements/1.1/"/>
-    <ds:schemaRef ds:uri="http://schemas.microsoft.com/office/2006/metadata/properties"/>
-    <ds:schemaRef ds:uri="http://schemas.microsoft.com/office/2006/documentManagement/types"/>
-    <ds:schemaRef ds:uri="95351f8c-3420-49f7-a091-28e53b5dd0e8"/>
-    <ds:schemaRef ds:uri="3bbb31d1-623b-489b-bce0-e344ebdbbf16"/>
-    <ds:schemaRef ds:uri="http://schemas.microsoft.com/sharepoint/v3"/>
-  </ds:schemaRefs>
-</ds:datastoreItem>
+<file path=customXml/item2.xml><?xml version="1.0" encoding="utf-8"?>
+<?mso-contentType ?>
+<FormTemplates xmlns="http://schemas.microsoft.com/sharepoint/v3/contenttype/forms">
+  <Display>DocumentLibraryForm</Display>
+  <Edit>DocumentLibraryForm</Edit>
+  <New>DocumentLibraryForm</New>
+</FormTemplates>
 </file>
 
-<file path=customXml/itemProps2.xml><?xml version="1.0" encoding="utf-8"?>
-<ds:datastoreItem xmlns:ds="http://schemas.openxmlformats.org/officeDocument/2006/customXml" ds:itemID="{EBBE673F-0D40-4DBE-AC00-AC43ECBBEA3A}">
-  <ds:schemaRefs>
-    <ds:schemaRef ds:uri="http://schemas.microsoft.com/sharepoint/v3/contenttype/forms"/>
-  </ds:schemaRefs>
-</ds:datastoreItem>
+<file path=customXml/item3.xml><?xml version="1.0" encoding="utf-8"?>
+<p:properties xmlns:p="http://schemas.microsoft.com/office/2006/metadata/properties" xmlns:xsi="http://www.w3.org/2001/XMLSchema-instance" xmlns:pc="http://schemas.microsoft.com/office/infopath/2007/PartnerControls">
+  <documentManagement>
+    <_ip_UnifiedCompliancePolicyUIAction xmlns="http://schemas.microsoft.com/sharepoint/v3" xsi:nil="true"/>
+    <_ip_UnifiedCompliancePolicyProperties xmlns="http://schemas.microsoft.com/sharepoint/v3" xsi:nil="true"/>
+  </documentManagement>
+</p:properties>
 </file>
 
-<file path=customXml/itemProps3.xml><?xml version="1.0" encoding="utf-8"?>
+<file path=customXml/itemProps1.xml><?xml version="1.0" encoding="utf-8"?>
 <ds:datastoreItem xmlns:ds="http://schemas.openxmlformats.org/officeDocument/2006/customXml" ds:itemID="{9D5D2863-329B-4B45-AD8D-3AEC7DD0F8DA}">
   <ds:schemaRefs>
     <ds:schemaRef ds:uri="http://schemas.microsoft.com/office/2006/metadata/contentType"/>
@@ -15790,4 +15764,30 @@
     <ds:schemaRef ds:uri="http://schemas.microsoft.com/internal/obd"/>
   </ds:schemaRefs>
 </ds:datastoreItem>
+</file>
+
+<file path=customXml/itemProps2.xml><?xml version="1.0" encoding="utf-8"?>
+<ds:datastoreItem xmlns:ds="http://schemas.openxmlformats.org/officeDocument/2006/customXml" ds:itemID="{EBBE673F-0D40-4DBE-AC00-AC43ECBBEA3A}">
+  <ds:schemaRefs>
+    <ds:schemaRef ds:uri="http://schemas.microsoft.com/sharepoint/v3/contenttype/forms"/>
+  </ds:schemaRefs>
+</ds:datastoreItem>
+</file>
+
+<file path=customXml/itemProps3.xml><?xml version="1.0" encoding="utf-8"?>
+<ds:datastoreItem xmlns:ds="http://schemas.openxmlformats.org/officeDocument/2006/customXml" ds:itemID="{5B4702F2-4CCD-4679-93EE-DC462A31CD3C}">
+  <ds:schemaRefs>
+    <ds:schemaRef ds:uri="http://purl.org/dc/terms/"/>
+    <ds:schemaRef ds:uri="http://purl.org/dc/dcmitype/"/>
+    <ds:schemaRef ds:uri="http://www.w3.org/XML/1998/namespace"/>
+    <ds:schemaRef ds:uri="http://schemas.microsoft.com/office/infopath/2007/PartnerControls"/>
+    <ds:schemaRef ds:uri="http://schemas.openxmlformats.org/package/2006/metadata/core-properties"/>
+    <ds:schemaRef ds:uri="http://purl.org/dc/elements/1.1/"/>
+    <ds:schemaRef ds:uri="http://schemas.microsoft.com/office/2006/metadata/properties"/>
+    <ds:schemaRef ds:uri="http://schemas.microsoft.com/office/2006/documentManagement/types"/>
+    <ds:schemaRef ds:uri="95351f8c-3420-49f7-a091-28e53b5dd0e8"/>
+    <ds:schemaRef ds:uri="3bbb31d1-623b-489b-bce0-e344ebdbbf16"/>
+    <ds:schemaRef ds:uri="http://schemas.microsoft.com/sharepoint/v3"/>
+  </ds:schemaRefs>
+</ds:datastoreItem>
 </file>